--- a/Hackathon_PPT_2021 Seeing Ear Bats.pptx
+++ b/Hackathon_PPT_2021 Seeing Ear Bats.pptx
@@ -9,11 +9,12 @@
     <p:sldId id="292" r:id="rId6"/>
     <p:sldId id="258" r:id="rId7"/>
     <p:sldId id="293" r:id="rId8"/>
-    <p:sldId id="294" r:id="rId9"/>
-    <p:sldId id="295" r:id="rId10"/>
-    <p:sldId id="296" r:id="rId11"/>
-    <p:sldId id="297" r:id="rId12"/>
-    <p:sldId id="274" r:id="rId13"/>
+    <p:sldId id="298" r:id="rId9"/>
+    <p:sldId id="294" r:id="rId10"/>
+    <p:sldId id="295" r:id="rId11"/>
+    <p:sldId id="296" r:id="rId12"/>
+    <p:sldId id="297" r:id="rId13"/>
+    <p:sldId id="274" r:id="rId14"/>
   </p:sldIdLst>
   <p:sldSz cx="12192000" cy="6858000"/>
   <p:notesSz cx="6858000" cy="9144000"/>
@@ -7345,6 +7346,65 @@
 </p:sld>
 </file>
 
+<file path=ppt/slides/slide10.xml><?xml version="1.0" encoding="utf-8"?>
+<p:sld xmlns:a="http://schemas.openxmlformats.org/drawingml/2006/main" xmlns:r="http://schemas.openxmlformats.org/officeDocument/2006/relationships" xmlns:p="http://schemas.openxmlformats.org/presentationml/2006/main">
+  <p:cSld>
+    <p:spTree>
+      <p:nvGrpSpPr>
+        <p:cNvPr id="1" name=""/>
+        <p:cNvGrpSpPr/>
+        <p:nvPr/>
+      </p:nvGrpSpPr>
+      <p:grpSpPr>
+        <a:xfrm>
+          <a:off x="0" y="0"/>
+          <a:ext cx="0" cy="0"/>
+          <a:chOff x="0" y="0"/>
+          <a:chExt cx="0" cy="0"/>
+        </a:xfrm>
+      </p:grpSpPr>
+      <p:pic>
+        <p:nvPicPr>
+          <p:cNvPr id="5" name="Picture 4">
+            <a:extLst>
+              <a:ext uri="{FF2B5EF4-FFF2-40B4-BE49-F238E27FC236}">
+                <a16:creationId xmlns:a16="http://schemas.microsoft.com/office/drawing/2014/main" id="{CBA73079-D6DA-461B-874A-92A324885418}"/>
+              </a:ext>
+            </a:extLst>
+          </p:cNvPr>
+          <p:cNvPicPr>
+            <a:picLocks noChangeAspect="1"/>
+          </p:cNvPicPr>
+          <p:nvPr/>
+        </p:nvPicPr>
+        <p:blipFill>
+          <a:blip r:embed="rId2"/>
+          <a:srcRect/>
+          <a:stretch/>
+        </p:blipFill>
+        <p:spPr>
+          <a:xfrm>
+            <a:off x="1877917" y="823093"/>
+            <a:ext cx="8242924" cy="4809221"/>
+          </a:xfrm>
+          <a:prstGeom prst="rect">
+            <a:avLst/>
+          </a:prstGeom>
+        </p:spPr>
+      </p:pic>
+    </p:spTree>
+    <p:extLst>
+      <p:ext uri="{BB962C8B-B14F-4D97-AF65-F5344CB8AC3E}">
+        <p14:creationId xmlns:p14="http://schemas.microsoft.com/office/powerpoint/2010/main" val="2647624134"/>
+      </p:ext>
+    </p:extLst>
+  </p:cSld>
+  <p:clrMapOvr>
+    <a:masterClrMapping/>
+  </p:clrMapOvr>
+</p:sld>
+</file>
+
 <file path=ppt/slides/slide2.xml><?xml version="1.0" encoding="utf-8"?>
 <p:sld xmlns:a="http://schemas.openxmlformats.org/drawingml/2006/main" xmlns:r="http://schemas.openxmlformats.org/officeDocument/2006/relationships" xmlns:p="http://schemas.openxmlformats.org/presentationml/2006/main">
   <p:cSld>
@@ -7615,59 +7675,59 @@
         </p:nvSpPr>
         <p:spPr>
           <a:xfrm>
-            <a:off x="838200" y="732441"/>
-            <a:ext cx="10515600" cy="590931"/>
+            <a:off x="838200" y="483142"/>
+            <a:ext cx="10515600" cy="1089529"/>
           </a:xfrm>
         </p:spPr>
         <p:txBody>
           <a:bodyPr/>
           <a:lstStyle/>
           <a:p>
-            <a:r>
-              <a:rPr lang="en-US"/>
-              <a:t>Customer Challenge</a:t>
-            </a:r>
-          </a:p>
-        </p:txBody>
-      </p:sp>
-      <p:sp>
-        <p:nvSpPr>
-          <p:cNvPr id="3" name="Content Placeholder 2">
-            <a:extLst>
-              <a:ext uri="{FF2B5EF4-FFF2-40B4-BE49-F238E27FC236}">
-                <a16:creationId xmlns:a16="http://schemas.microsoft.com/office/drawing/2014/main" id="{BAE8CF01-346F-984A-AB40-CF19D671936C}"/>
-              </a:ext>
-            </a:extLst>
-          </p:cNvPr>
-          <p:cNvSpPr>
-            <a:spLocks noGrp="1"/>
-          </p:cNvSpPr>
-          <p:nvPr>
-            <p:ph idx="1"/>
-          </p:nvPr>
-        </p:nvSpPr>
-        <p:spPr>
-          <a:xfrm>
-            <a:off x="838200" y="1825625"/>
-            <a:ext cx="10515600" cy="3993835"/>
-          </a:xfrm>
-        </p:spPr>
-        <p:txBody>
-          <a:bodyPr>
-            <a:normAutofit/>
+            <a:pPr algn="ctr"/>
+            <a:r>
+              <a:rPr lang="en-US" dirty="0"/>
+              <a:t>The Challenge of Maintaining Situational Awareness in Combat</a:t>
+            </a:r>
+          </a:p>
+        </p:txBody>
+      </p:sp>
+      <p:sp>
+        <p:nvSpPr>
+          <p:cNvPr id="4" name="TextBox 3">
+            <a:extLst>
+              <a:ext uri="{FF2B5EF4-FFF2-40B4-BE49-F238E27FC236}">
+                <a16:creationId xmlns:a16="http://schemas.microsoft.com/office/drawing/2014/main" id="{57646A75-6CB2-4982-B281-5D8C91077B70}"/>
+              </a:ext>
+            </a:extLst>
+          </p:cNvPr>
+          <p:cNvSpPr txBox="1"/>
+          <p:nvPr/>
+        </p:nvSpPr>
+        <p:spPr>
+          <a:xfrm>
+            <a:off x="838201" y="2187268"/>
+            <a:ext cx="10824148" cy="2677656"/>
+          </a:xfrm>
+          <a:prstGeom prst="rect">
+            <a:avLst/>
+          </a:prstGeom>
+          <a:noFill/>
+        </p:spPr>
+        <p:txBody>
+          <a:bodyPr wrap="square" rtlCol="0">
+            <a:spAutoFit/>
           </a:bodyPr>
           <a:lstStyle/>
           <a:p>
             <a:r>
-              <a:rPr lang="en-US" sz="2000" dirty="0"/>
-              <a:t>Describe the customer problem your hack solves</a:t>
-            </a:r>
-          </a:p>
-          <a:p>
-            <a:r>
-              <a:rPr lang="en-US" sz="2000" dirty="0"/>
-              <a:t>Use more slides if you need them</a:t>
-            </a:r>
+              <a:rPr lang="en-US" sz="2400" dirty="0">
+                <a:effectLst/>
+                <a:latin typeface="Calibri" panose="020F0502020204030204" pitchFamily="34" charset="0"/>
+                <a:ea typeface="Calibri" panose="020F0502020204030204" pitchFamily="34" charset="0"/>
+              </a:rPr>
+              <a:t>Situational awareness is one of the biggest challenges in conducting ground operations. When someone opens fire, it’s often possible to have no awareness of their location, the size of the force, and even their direction of fire and their friendly/enemy status. To quickly spread awareness of an attacking enemy unit, infantrymen are trained to immediately announce the “3Ds,” or the distance, direction, and description of the enemy. This can be effective, but it can also easily fail if the soldier is unable to glean all the information accurately and pass it on. </a:t>
+            </a:r>
+            <a:endParaRPr lang="en-US" sz="2400" dirty="0"/>
           </a:p>
         </p:txBody>
       </p:sp>
@@ -7706,7 +7766,7 @@
           <p:cNvPr id="2" name="Title 1">
             <a:extLst>
               <a:ext uri="{FF2B5EF4-FFF2-40B4-BE49-F238E27FC236}">
-                <a16:creationId xmlns:a16="http://schemas.microsoft.com/office/drawing/2014/main" id="{EB733577-04FA-7948-A78F-7A254A89C343}"/>
+                <a16:creationId xmlns:a16="http://schemas.microsoft.com/office/drawing/2014/main" id="{5D1F3AB0-199E-40B5-917D-B37F900B9EFF}"/>
               </a:ext>
             </a:extLst>
           </p:cNvPr>
@@ -7717,29 +7777,25 @@
             <p:ph type="title"/>
           </p:nvPr>
         </p:nvSpPr>
-        <p:spPr>
-          <a:xfrm>
-            <a:off x="838200" y="732441"/>
-            <a:ext cx="10515600" cy="590931"/>
-          </a:xfrm>
-        </p:spPr>
+        <p:spPr/>
         <p:txBody>
           <a:bodyPr/>
           <a:lstStyle/>
           <a:p>
-            <a:r>
-              <a:rPr lang="en-US"/>
-              <a:t>Source Code</a:t>
-            </a:r>
-          </a:p>
-        </p:txBody>
-      </p:sp>
-      <p:sp>
-        <p:nvSpPr>
-          <p:cNvPr id="3" name="Content Placeholder 2">
-            <a:extLst>
-              <a:ext uri="{FF2B5EF4-FFF2-40B4-BE49-F238E27FC236}">
-                <a16:creationId xmlns:a16="http://schemas.microsoft.com/office/drawing/2014/main" id="{BAE8CF01-346F-984A-AB40-CF19D671936C}"/>
+            <a:pPr algn="ctr"/>
+            <a:r>
+              <a:rPr lang="en-US" dirty="0"/>
+              <a:t>Acoustic AI for Situational Awareness</a:t>
+            </a:r>
+          </a:p>
+        </p:txBody>
+      </p:sp>
+      <p:sp>
+        <p:nvSpPr>
+          <p:cNvPr id="4" name="Content Placeholder 2">
+            <a:extLst>
+              <a:ext uri="{FF2B5EF4-FFF2-40B4-BE49-F238E27FC236}">
+                <a16:creationId xmlns:a16="http://schemas.microsoft.com/office/drawing/2014/main" id="{420012E7-D4D8-4DDE-AAAE-0D54C582EDAF}"/>
               </a:ext>
             </a:extLst>
           </p:cNvPr>
@@ -7753,7 +7809,7 @@
         <p:spPr>
           <a:xfrm>
             <a:off x="838200" y="1825625"/>
-            <a:ext cx="10515600" cy="3993835"/>
+            <a:ext cx="10515600" cy="3994150"/>
           </a:xfrm>
         </p:spPr>
         <p:txBody>
@@ -7763,22 +7819,40 @@
           <a:lstStyle/>
           <a:p>
             <a:r>
-              <a:rPr lang="en-US" sz="2000" dirty="0">
-                <a:hlinkClick r:id="rId2"/>
-              </a:rPr>
-              <a:t>https://github.com/OctoConsulting/AudioHack2021</a:t>
-            </a:r>
+              <a:rPr lang="en-US" sz="2000" dirty="0"/>
+              <a:t>Identify Sources of Incoming Fire for Ground Troops</a:t>
+            </a:r>
+          </a:p>
+          <a:p>
+            <a:pPr marL="0" indent="0">
+              <a:buNone/>
+            </a:pPr>
             <a:endParaRPr lang="en-US" sz="2000" dirty="0"/>
           </a:p>
           <a:p>
+            <a:r>
+              <a:rPr lang="en-US" sz="2000" dirty="0"/>
+              <a:t>Provide Advanced Warning and Confirmation for Visual Inference</a:t>
+            </a:r>
+          </a:p>
+          <a:p>
+            <a:pPr marL="0" indent="0">
+              <a:buNone/>
+            </a:pPr>
             <a:endParaRPr lang="en-US" sz="2000" dirty="0"/>
+          </a:p>
+          <a:p>
+            <a:r>
+              <a:rPr lang="en-US" sz="2000" dirty="0"/>
+              <a:t>Automate Infantry Call for Fire Procedures</a:t>
+            </a:r>
           </a:p>
         </p:txBody>
       </p:sp>
     </p:spTree>
     <p:extLst>
       <p:ext uri="{BB962C8B-B14F-4D97-AF65-F5344CB8AC3E}">
-        <p14:creationId xmlns:p14="http://schemas.microsoft.com/office/powerpoint/2010/main" val="2252240982"/>
+        <p14:creationId xmlns:p14="http://schemas.microsoft.com/office/powerpoint/2010/main" val="3532493803"/>
       </p:ext>
     </p:extLst>
   </p:cSld>
@@ -7833,7 +7907,7 @@
           <a:p>
             <a:r>
               <a:rPr lang="en-US"/>
-              <a:t>Architecture Diagram</a:t>
+              <a:t>Source Code</a:t>
             </a:r>
           </a:p>
         </p:txBody>
@@ -7867,34 +7941,22 @@
           <a:lstStyle/>
           <a:p>
             <a:r>
-              <a:rPr lang="en-US" sz="3200" dirty="0"/>
-              <a:t>Unity generates 3d spatialized sound of a gun shot</a:t>
-            </a:r>
-          </a:p>
-          <a:p>
-            <a:r>
-              <a:rPr lang="en-US" sz="3200" dirty="0"/>
-              <a:t>Generated sound is recorded in the engine and written to a new file</a:t>
-            </a:r>
-          </a:p>
-          <a:p>
-            <a:r>
-              <a:rPr lang="en-US" sz="3200" dirty="0"/>
-              <a:t>New sound file is processed by the model</a:t>
-            </a:r>
-          </a:p>
-          <a:p>
-            <a:r>
-              <a:rPr lang="en-US" sz="3200" dirty="0"/>
-              <a:t>Direction and distance of that shot is output for further use.</a:t>
-            </a:r>
+              <a:rPr lang="en-US" sz="2000" dirty="0">
+                <a:hlinkClick r:id="rId2"/>
+              </a:rPr>
+              <a:t>https://github.com/OctoConsulting/AudioHack2021</a:t>
+            </a:r>
+            <a:endParaRPr lang="en-US" sz="2000" dirty="0"/>
+          </a:p>
+          <a:p>
+            <a:endParaRPr lang="en-US" sz="2000" dirty="0"/>
           </a:p>
         </p:txBody>
       </p:sp>
     </p:spTree>
     <p:extLst>
       <p:ext uri="{BB962C8B-B14F-4D97-AF65-F5344CB8AC3E}">
-        <p14:creationId xmlns:p14="http://schemas.microsoft.com/office/powerpoint/2010/main" val="3123336364"/>
+        <p14:creationId xmlns:p14="http://schemas.microsoft.com/office/powerpoint/2010/main" val="2252240982"/>
       </p:ext>
     </p:extLst>
   </p:cSld>
@@ -7948,10 +8010,8 @@
           <a:lstStyle/>
           <a:p>
             <a:r>
-              <a:rPr lang="en-US">
-                <a:latin typeface="Century Gothic"/>
-              </a:rPr>
-              <a:t>Tools &amp; Technologies Used</a:t>
+              <a:rPr lang="en-US"/>
+              <a:t>Architecture Diagram</a:t>
             </a:r>
           </a:p>
         </p:txBody>
@@ -7985,22 +8045,34 @@
           <a:lstStyle/>
           <a:p>
             <a:r>
-              <a:rPr lang="en-US" sz="2000" dirty="0"/>
-              <a:t>Unity</a:t>
-            </a:r>
-          </a:p>
-          <a:p>
-            <a:endParaRPr lang="en-US" sz="2000" dirty="0"/>
-          </a:p>
-          <a:p>
-            <a:endParaRPr lang="en-US" sz="2000" dirty="0"/>
+              <a:rPr lang="en-US" sz="3200" dirty="0"/>
+              <a:t>Unity generates 3d spatialized sound of a gun shot</a:t>
+            </a:r>
+          </a:p>
+          <a:p>
+            <a:r>
+              <a:rPr lang="en-US" sz="3200" dirty="0"/>
+              <a:t>Generated sound is recorded in the engine and written to a new file</a:t>
+            </a:r>
+          </a:p>
+          <a:p>
+            <a:r>
+              <a:rPr lang="en-US" sz="3200" dirty="0"/>
+              <a:t>New sound file is processed by the model</a:t>
+            </a:r>
+          </a:p>
+          <a:p>
+            <a:r>
+              <a:rPr lang="en-US" sz="3200" dirty="0"/>
+              <a:t>Direction and distance of that shot is output for further use.</a:t>
+            </a:r>
           </a:p>
         </p:txBody>
       </p:sp>
     </p:spTree>
     <p:extLst>
       <p:ext uri="{BB962C8B-B14F-4D97-AF65-F5344CB8AC3E}">
-        <p14:creationId xmlns:p14="http://schemas.microsoft.com/office/powerpoint/2010/main" val="2679417701"/>
+        <p14:creationId xmlns:p14="http://schemas.microsoft.com/office/powerpoint/2010/main" val="3123336364"/>
       </p:ext>
     </p:extLst>
   </p:cSld>
@@ -8054,10 +8126,10 @@
           <a:lstStyle/>
           <a:p>
             <a:r>
-              <a:rPr lang="en-US" dirty="0">
+              <a:rPr lang="en-US">
                 <a:latin typeface="Century Gothic"/>
               </a:rPr>
-              <a:t>Future Updates</a:t>
+              <a:t>Tools &amp; Technologies Used</a:t>
             </a:r>
           </a:p>
         </p:txBody>
@@ -8092,19 +8164,13 @@
           <a:p>
             <a:r>
               <a:rPr lang="en-US" sz="2000" dirty="0"/>
-              <a:t>Bring the model output back into Unity and render the data as a shot line to compare actual and perceived.</a:t>
-            </a:r>
-          </a:p>
-          <a:p>
-            <a:r>
-              <a:rPr lang="en-US" sz="2000" dirty="0"/>
-              <a:t>Output the data as a sound file to let the user know direction and distance of the shot.</a:t>
-            </a:r>
-          </a:p>
-          <a:p>
-            <a:r>
-              <a:rPr lang="en-US" sz="2000"/>
-              <a:t>…</a:t>
+              <a:t>Unity</a:t>
+            </a:r>
+          </a:p>
+          <a:p>
+            <a:r>
+              <a:rPr lang="en-US" sz="2000" dirty="0" err="1"/>
+              <a:t>Tensorflow</a:t>
             </a:r>
             <a:endParaRPr lang="en-US" sz="2000" dirty="0"/>
           </a:p>
@@ -8119,7 +8185,7 @@
     </p:spTree>
     <p:extLst>
       <p:ext uri="{BB962C8B-B14F-4D97-AF65-F5344CB8AC3E}">
-        <p14:creationId xmlns:p14="http://schemas.microsoft.com/office/powerpoint/2010/main" val="522753769"/>
+        <p14:creationId xmlns:p14="http://schemas.microsoft.com/office/powerpoint/2010/main" val="2679417701"/>
       </p:ext>
     </p:extLst>
   </p:cSld>
@@ -8146,39 +8212,104 @@
           <a:chExt cx="0" cy="0"/>
         </a:xfrm>
       </p:grpSpPr>
-      <p:pic>
-        <p:nvPicPr>
-          <p:cNvPr id="5" name="Picture 4">
-            <a:extLst>
-              <a:ext uri="{FF2B5EF4-FFF2-40B4-BE49-F238E27FC236}">
-                <a16:creationId xmlns:a16="http://schemas.microsoft.com/office/drawing/2014/main" id="{CBA73079-D6DA-461B-874A-92A324885418}"/>
-              </a:ext>
-            </a:extLst>
-          </p:cNvPr>
-          <p:cNvPicPr>
-            <a:picLocks noChangeAspect="1"/>
-          </p:cNvPicPr>
-          <p:nvPr/>
-        </p:nvPicPr>
-        <p:blipFill>
-          <a:blip r:embed="rId2"/>
-          <a:srcRect/>
-          <a:stretch/>
-        </p:blipFill>
-        <p:spPr>
-          <a:xfrm>
-            <a:off x="1877917" y="823093"/>
-            <a:ext cx="8242924" cy="4809221"/>
-          </a:xfrm>
-          <a:prstGeom prst="rect">
-            <a:avLst/>
-          </a:prstGeom>
-        </p:spPr>
-      </p:pic>
+      <p:sp>
+        <p:nvSpPr>
+          <p:cNvPr id="2" name="Title 1">
+            <a:extLst>
+              <a:ext uri="{FF2B5EF4-FFF2-40B4-BE49-F238E27FC236}">
+                <a16:creationId xmlns:a16="http://schemas.microsoft.com/office/drawing/2014/main" id="{EB733577-04FA-7948-A78F-7A254A89C343}"/>
+              </a:ext>
+            </a:extLst>
+          </p:cNvPr>
+          <p:cNvSpPr>
+            <a:spLocks noGrp="1"/>
+          </p:cNvSpPr>
+          <p:nvPr>
+            <p:ph type="title"/>
+          </p:nvPr>
+        </p:nvSpPr>
+        <p:spPr>
+          <a:xfrm>
+            <a:off x="838200" y="732441"/>
+            <a:ext cx="10515600" cy="590931"/>
+          </a:xfrm>
+        </p:spPr>
+        <p:txBody>
+          <a:bodyPr/>
+          <a:lstStyle/>
+          <a:p>
+            <a:r>
+              <a:rPr lang="en-US" dirty="0">
+                <a:latin typeface="Century Gothic"/>
+              </a:rPr>
+              <a:t>Future Updates</a:t>
+            </a:r>
+          </a:p>
+        </p:txBody>
+      </p:sp>
+      <p:sp>
+        <p:nvSpPr>
+          <p:cNvPr id="3" name="Content Placeholder 2">
+            <a:extLst>
+              <a:ext uri="{FF2B5EF4-FFF2-40B4-BE49-F238E27FC236}">
+                <a16:creationId xmlns:a16="http://schemas.microsoft.com/office/drawing/2014/main" id="{BAE8CF01-346F-984A-AB40-CF19D671936C}"/>
+              </a:ext>
+            </a:extLst>
+          </p:cNvPr>
+          <p:cNvSpPr>
+            <a:spLocks noGrp="1"/>
+          </p:cNvSpPr>
+          <p:nvPr>
+            <p:ph idx="1"/>
+          </p:nvPr>
+        </p:nvSpPr>
+        <p:spPr>
+          <a:xfrm>
+            <a:off x="838200" y="1825625"/>
+            <a:ext cx="10515600" cy="3993835"/>
+          </a:xfrm>
+        </p:spPr>
+        <p:txBody>
+          <a:bodyPr>
+            <a:normAutofit/>
+          </a:bodyPr>
+          <a:lstStyle/>
+          <a:p>
+            <a:r>
+              <a:rPr lang="en-US" sz="2800" dirty="0"/>
+              <a:t>Bring the model output back into Unity and render the data as a shot line to compare actual and perceived.</a:t>
+            </a:r>
+          </a:p>
+          <a:p>
+            <a:r>
+              <a:rPr lang="en-US" sz="2800" dirty="0"/>
+              <a:t>Output the data as a sound file to let the user know direction and distance of the shot.</a:t>
+            </a:r>
+          </a:p>
+          <a:p>
+            <a:r>
+              <a:rPr lang="en-US" sz="2800" dirty="0"/>
+              <a:t>Include models of the weapon type and direction of fire</a:t>
+            </a:r>
+          </a:p>
+          <a:p>
+            <a:pPr marL="0" indent="0">
+              <a:buNone/>
+            </a:pPr>
+            <a:endParaRPr lang="en-US" sz="2000" dirty="0"/>
+          </a:p>
+          <a:p>
+            <a:endParaRPr lang="en-US" sz="2000" dirty="0"/>
+          </a:p>
+          <a:p>
+            <a:endParaRPr lang="en-US" sz="2000" dirty="0"/>
+          </a:p>
+        </p:txBody>
+      </p:sp>
     </p:spTree>
     <p:extLst>
       <p:ext uri="{BB962C8B-B14F-4D97-AF65-F5344CB8AC3E}">
-        <p14:creationId xmlns:p14="http://schemas.microsoft.com/office/powerpoint/2010/main" val="2647624134"/>
+        <p14:creationId xmlns:p14="http://schemas.microsoft.com/office/powerpoint/2010/main" val="522753769"/>
       </p:ext>
     </p:extLst>
   </p:cSld>
@@ -8450,15 +8581,6 @@
 </file>
 
 <file path=customXml/item1.xml><?xml version="1.0" encoding="utf-8"?>
-<?mso-contentType ?>
-<FormTemplates xmlns="http://schemas.microsoft.com/sharepoint/v3/contenttype/forms">
-  <Display>DocumentLibraryForm</Display>
-  <Edit>DocumentLibraryForm</Edit>
-  <New>DocumentLibraryForm</New>
-</FormTemplates>
-</file>
-
-<file path=customXml/item2.xml><?xml version="1.0" encoding="utf-8"?>
 <ct:contentTypeSchema xmlns:ct="http://schemas.microsoft.com/office/2006/metadata/contentType" xmlns:ma="http://schemas.microsoft.com/office/2006/metadata/properties/metaAttributes" ct:_="" ma:_="" ma:contentTypeName="Document" ma:contentTypeID="0x010100A47C754697A1714AB417E0C8AB0FB3B6" ma:contentTypeVersion="12" ma:contentTypeDescription="Create a new document." ma:contentTypeScope="" ma:versionID="9254b1d8024c4d23e6cc9cd3bf5233a9">
   <xsd:schema xmlns:xsd="http://www.w3.org/2001/XMLSchema" xmlns:xs="http://www.w3.org/2001/XMLSchema" xmlns:p="http://schemas.microsoft.com/office/2006/metadata/properties" xmlns:ns2="753a2aa6-1208-400c-ae46-1ad40f3234e8" xmlns:ns3="a3d0a45c-57b8-4179-a1de-155f60147ef3" targetNamespace="http://schemas.microsoft.com/office/2006/metadata/properties" ma:root="true" ma:fieldsID="71ad714770baf85b6af844c5cc16dde2" ns2:_="" ns3:_="">
     <xsd:import namespace="753a2aa6-1208-400c-ae46-1ad40f3234e8"/>
@@ -8675,6 +8797,15 @@
 </ct:contentTypeSchema>
 </file>
 
+<file path=customXml/item2.xml><?xml version="1.0" encoding="utf-8"?>
+<?mso-contentType ?>
+<FormTemplates xmlns="http://schemas.microsoft.com/sharepoint/v3/contenttype/forms">
+  <Display>DocumentLibraryForm</Display>
+  <Edit>DocumentLibraryForm</Edit>
+  <New>DocumentLibraryForm</New>
+</FormTemplates>
+</file>
+
 <file path=customXml/item3.xml><?xml version="1.0" encoding="utf-8"?>
 <p:properties xmlns:p="http://schemas.microsoft.com/office/2006/metadata/properties" xmlns:xsi="http://www.w3.org/2001/XMLSchema-instance" xmlns:pc="http://schemas.microsoft.com/office/infopath/2007/PartnerControls">
   <documentManagement/>
@@ -8682,14 +8813,6 @@
 </file>
 
 <file path=customXml/itemProps1.xml><?xml version="1.0" encoding="utf-8"?>
-<ds:datastoreItem xmlns:ds="http://schemas.openxmlformats.org/officeDocument/2006/customXml" ds:itemID="{E606F483-7940-4658-97E4-AB297BD7D23C}">
-  <ds:schemaRefs>
-    <ds:schemaRef ds:uri="http://schemas.microsoft.com/sharepoint/v3/contenttype/forms"/>
-  </ds:schemaRefs>
-</ds:datastoreItem>
-</file>
-
-<file path=customXml/itemProps2.xml><?xml version="1.0" encoding="utf-8"?>
 <ds:datastoreItem xmlns:ds="http://schemas.openxmlformats.org/officeDocument/2006/customXml" ds:itemID="{0B46FE05-B71A-40F7-A5E7-DD15F8232A6C}">
   <ds:schemaRefs>
     <ds:schemaRef ds:uri="http://schemas.microsoft.com/office/2006/metadata/contentType"/>
@@ -8704,6 +8827,14 @@
     <ds:schemaRef ds:uri="http://purl.org/dc/elements/1.1/"/>
     <ds:schemaRef ds:uri="http://purl.org/dc/terms/"/>
     <ds:schemaRef ds:uri="http://schemas.microsoft.com/internal/obd"/>
+  </ds:schemaRefs>
+</ds:datastoreItem>
+</file>
+
+<file path=customXml/itemProps2.xml><?xml version="1.0" encoding="utf-8"?>
+<ds:datastoreItem xmlns:ds="http://schemas.openxmlformats.org/officeDocument/2006/customXml" ds:itemID="{E606F483-7940-4658-97E4-AB297BD7D23C}">
+  <ds:schemaRefs>
+    <ds:schemaRef ds:uri="http://schemas.microsoft.com/sharepoint/v3/contenttype/forms"/>
   </ds:schemaRefs>
 </ds:datastoreItem>
 </file>

--- a/Hackathon_PPT_2021 Seeing Ear Bats.pptx
+++ b/Hackathon_PPT_2021 Seeing Ear Bats.pptx
@@ -9,11 +9,14 @@
     <p:sldId id="292" r:id="rId6"/>
     <p:sldId id="258" r:id="rId7"/>
     <p:sldId id="293" r:id="rId8"/>
-    <p:sldId id="294" r:id="rId9"/>
-    <p:sldId id="295" r:id="rId10"/>
-    <p:sldId id="296" r:id="rId11"/>
-    <p:sldId id="297" r:id="rId12"/>
-    <p:sldId id="274" r:id="rId13"/>
+    <p:sldId id="298" r:id="rId9"/>
+    <p:sldId id="294" r:id="rId10"/>
+    <p:sldId id="295" r:id="rId11"/>
+    <p:sldId id="296" r:id="rId12"/>
+    <p:sldId id="299" r:id="rId13"/>
+    <p:sldId id="300" r:id="rId14"/>
+    <p:sldId id="297" r:id="rId15"/>
+    <p:sldId id="274" r:id="rId16"/>
   </p:sldIdLst>
   <p:sldSz cx="12192000" cy="6858000"/>
   <p:notesSz cx="6858000" cy="9144000"/>
@@ -7345,6 +7348,280 @@
 </p:sld>
 </file>
 
+<file path=ppt/slides/slide10.xml><?xml version="1.0" encoding="utf-8"?>
+<p:sld xmlns:a="http://schemas.openxmlformats.org/drawingml/2006/main" xmlns:r="http://schemas.openxmlformats.org/officeDocument/2006/relationships" xmlns:p="http://schemas.openxmlformats.org/presentationml/2006/main">
+  <p:cSld>
+    <p:spTree>
+      <p:nvGrpSpPr>
+        <p:cNvPr id="1" name=""/>
+        <p:cNvGrpSpPr/>
+        <p:nvPr/>
+      </p:nvGrpSpPr>
+      <p:grpSpPr>
+        <a:xfrm>
+          <a:off x="0" y="0"/>
+          <a:ext cx="0" cy="0"/>
+          <a:chOff x="0" y="0"/>
+          <a:chExt cx="0" cy="0"/>
+        </a:xfrm>
+      </p:grpSpPr>
+      <p:sp>
+        <p:nvSpPr>
+          <p:cNvPr id="2" name="Title 1">
+            <a:extLst>
+              <a:ext uri="{FF2B5EF4-FFF2-40B4-BE49-F238E27FC236}">
+                <a16:creationId xmlns:a16="http://schemas.microsoft.com/office/drawing/2014/main" id="{5D1F3AB0-199E-40B5-917D-B37F900B9EFF}"/>
+              </a:ext>
+            </a:extLst>
+          </p:cNvPr>
+          <p:cNvSpPr>
+            <a:spLocks noGrp="1"/>
+          </p:cNvSpPr>
+          <p:nvPr>
+            <p:ph type="title"/>
+          </p:nvPr>
+        </p:nvSpPr>
+        <p:spPr/>
+        <p:txBody>
+          <a:bodyPr/>
+          <a:lstStyle/>
+          <a:p>
+            <a:pPr algn="ctr"/>
+            <a:r>
+              <a:rPr lang="en-US" dirty="0"/>
+              <a:t>Results</a:t>
+            </a:r>
+          </a:p>
+        </p:txBody>
+      </p:sp>
+      <p:sp>
+        <p:nvSpPr>
+          <p:cNvPr id="4" name="Content Placeholder 2">
+            <a:extLst>
+              <a:ext uri="{FF2B5EF4-FFF2-40B4-BE49-F238E27FC236}">
+                <a16:creationId xmlns:a16="http://schemas.microsoft.com/office/drawing/2014/main" id="{420012E7-D4D8-4DDE-AAAE-0D54C582EDAF}"/>
+              </a:ext>
+            </a:extLst>
+          </p:cNvPr>
+          <p:cNvSpPr>
+            <a:spLocks noGrp="1"/>
+          </p:cNvSpPr>
+          <p:nvPr>
+            <p:ph idx="1"/>
+          </p:nvPr>
+        </p:nvSpPr>
+        <p:spPr>
+          <a:xfrm>
+            <a:off x="838200" y="1825625"/>
+            <a:ext cx="10515600" cy="3994150"/>
+          </a:xfrm>
+        </p:spPr>
+        <p:txBody>
+          <a:bodyPr>
+            <a:normAutofit/>
+          </a:bodyPr>
+          <a:lstStyle/>
+          <a:p>
+            <a:endParaRPr lang="en-US" sz="2000" dirty="0"/>
+          </a:p>
+        </p:txBody>
+      </p:sp>
+    </p:spTree>
+    <p:extLst>
+      <p:ext uri="{BB962C8B-B14F-4D97-AF65-F5344CB8AC3E}">
+        <p14:creationId xmlns:p14="http://schemas.microsoft.com/office/powerpoint/2010/main" val="2202778493"/>
+      </p:ext>
+    </p:extLst>
+  </p:cSld>
+  <p:clrMapOvr>
+    <a:masterClrMapping/>
+  </p:clrMapOvr>
+</p:sld>
+</file>
+
+<file path=ppt/slides/slide11.xml><?xml version="1.0" encoding="utf-8"?>
+<p:sld xmlns:a="http://schemas.openxmlformats.org/drawingml/2006/main" xmlns:r="http://schemas.openxmlformats.org/officeDocument/2006/relationships" xmlns:p="http://schemas.openxmlformats.org/presentationml/2006/main">
+  <p:cSld>
+    <p:spTree>
+      <p:nvGrpSpPr>
+        <p:cNvPr id="1" name=""/>
+        <p:cNvGrpSpPr/>
+        <p:nvPr/>
+      </p:nvGrpSpPr>
+      <p:grpSpPr>
+        <a:xfrm>
+          <a:off x="0" y="0"/>
+          <a:ext cx="0" cy="0"/>
+          <a:chOff x="0" y="0"/>
+          <a:chExt cx="0" cy="0"/>
+        </a:xfrm>
+      </p:grpSpPr>
+      <p:sp>
+        <p:nvSpPr>
+          <p:cNvPr id="2" name="Title 1">
+            <a:extLst>
+              <a:ext uri="{FF2B5EF4-FFF2-40B4-BE49-F238E27FC236}">
+                <a16:creationId xmlns:a16="http://schemas.microsoft.com/office/drawing/2014/main" id="{EB733577-04FA-7948-A78F-7A254A89C343}"/>
+              </a:ext>
+            </a:extLst>
+          </p:cNvPr>
+          <p:cNvSpPr>
+            <a:spLocks noGrp="1"/>
+          </p:cNvSpPr>
+          <p:nvPr>
+            <p:ph type="title"/>
+          </p:nvPr>
+        </p:nvSpPr>
+        <p:spPr>
+          <a:xfrm>
+            <a:off x="838200" y="732441"/>
+            <a:ext cx="10515600" cy="590931"/>
+          </a:xfrm>
+        </p:spPr>
+        <p:txBody>
+          <a:bodyPr/>
+          <a:lstStyle/>
+          <a:p>
+            <a:r>
+              <a:rPr lang="en-US" dirty="0">
+                <a:latin typeface="Century Gothic"/>
+              </a:rPr>
+              <a:t>Future Updates</a:t>
+            </a:r>
+          </a:p>
+        </p:txBody>
+      </p:sp>
+      <p:sp>
+        <p:nvSpPr>
+          <p:cNvPr id="3" name="Content Placeholder 2">
+            <a:extLst>
+              <a:ext uri="{FF2B5EF4-FFF2-40B4-BE49-F238E27FC236}">
+                <a16:creationId xmlns:a16="http://schemas.microsoft.com/office/drawing/2014/main" id="{BAE8CF01-346F-984A-AB40-CF19D671936C}"/>
+              </a:ext>
+            </a:extLst>
+          </p:cNvPr>
+          <p:cNvSpPr>
+            <a:spLocks noGrp="1"/>
+          </p:cNvSpPr>
+          <p:nvPr>
+            <p:ph idx="1"/>
+          </p:nvPr>
+        </p:nvSpPr>
+        <p:spPr>
+          <a:xfrm>
+            <a:off x="838200" y="1825625"/>
+            <a:ext cx="10515600" cy="3993835"/>
+          </a:xfrm>
+        </p:spPr>
+        <p:txBody>
+          <a:bodyPr>
+            <a:normAutofit/>
+          </a:bodyPr>
+          <a:lstStyle/>
+          <a:p>
+            <a:r>
+              <a:rPr lang="en-US" sz="2800" dirty="0"/>
+              <a:t>Bring the model output back into Unity and render the data as a shot line to compare actual and perceived.</a:t>
+            </a:r>
+          </a:p>
+          <a:p>
+            <a:r>
+              <a:rPr lang="en-US" sz="2800" dirty="0"/>
+              <a:t>Output the data as a sound file to let the user know direction and distance of the shot.</a:t>
+            </a:r>
+          </a:p>
+          <a:p>
+            <a:r>
+              <a:rPr lang="en-US" sz="2800" dirty="0"/>
+              <a:t>Include models of the weapon type and direction of fire</a:t>
+            </a:r>
+          </a:p>
+          <a:p>
+            <a:pPr marL="0" indent="0">
+              <a:buNone/>
+            </a:pPr>
+            <a:endParaRPr lang="en-US" sz="2000" dirty="0"/>
+          </a:p>
+          <a:p>
+            <a:endParaRPr lang="en-US" sz="2000" dirty="0"/>
+          </a:p>
+          <a:p>
+            <a:endParaRPr lang="en-US" sz="2000" dirty="0"/>
+          </a:p>
+        </p:txBody>
+      </p:sp>
+    </p:spTree>
+    <p:extLst>
+      <p:ext uri="{BB962C8B-B14F-4D97-AF65-F5344CB8AC3E}">
+        <p14:creationId xmlns:p14="http://schemas.microsoft.com/office/powerpoint/2010/main" val="522753769"/>
+      </p:ext>
+    </p:extLst>
+  </p:cSld>
+  <p:clrMapOvr>
+    <a:masterClrMapping/>
+  </p:clrMapOvr>
+</p:sld>
+</file>
+
+<file path=ppt/slides/slide12.xml><?xml version="1.0" encoding="utf-8"?>
+<p:sld xmlns:a="http://schemas.openxmlformats.org/drawingml/2006/main" xmlns:r="http://schemas.openxmlformats.org/officeDocument/2006/relationships" xmlns:p="http://schemas.openxmlformats.org/presentationml/2006/main">
+  <p:cSld>
+    <p:spTree>
+      <p:nvGrpSpPr>
+        <p:cNvPr id="1" name=""/>
+        <p:cNvGrpSpPr/>
+        <p:nvPr/>
+      </p:nvGrpSpPr>
+      <p:grpSpPr>
+        <a:xfrm>
+          <a:off x="0" y="0"/>
+          <a:ext cx="0" cy="0"/>
+          <a:chOff x="0" y="0"/>
+          <a:chExt cx="0" cy="0"/>
+        </a:xfrm>
+      </p:grpSpPr>
+      <p:pic>
+        <p:nvPicPr>
+          <p:cNvPr id="5" name="Picture 4">
+            <a:extLst>
+              <a:ext uri="{FF2B5EF4-FFF2-40B4-BE49-F238E27FC236}">
+                <a16:creationId xmlns:a16="http://schemas.microsoft.com/office/drawing/2014/main" id="{CBA73079-D6DA-461B-874A-92A324885418}"/>
+              </a:ext>
+            </a:extLst>
+          </p:cNvPr>
+          <p:cNvPicPr>
+            <a:picLocks noChangeAspect="1"/>
+          </p:cNvPicPr>
+          <p:nvPr/>
+        </p:nvPicPr>
+        <p:blipFill>
+          <a:blip r:embed="rId2"/>
+          <a:srcRect/>
+          <a:stretch/>
+        </p:blipFill>
+        <p:spPr>
+          <a:xfrm>
+            <a:off x="1877917" y="823093"/>
+            <a:ext cx="8242924" cy="4809221"/>
+          </a:xfrm>
+          <a:prstGeom prst="rect">
+            <a:avLst/>
+          </a:prstGeom>
+        </p:spPr>
+      </p:pic>
+    </p:spTree>
+    <p:extLst>
+      <p:ext uri="{BB962C8B-B14F-4D97-AF65-F5344CB8AC3E}">
+        <p14:creationId xmlns:p14="http://schemas.microsoft.com/office/powerpoint/2010/main" val="2647624134"/>
+      </p:ext>
+    </p:extLst>
+  </p:cSld>
+  <p:clrMapOvr>
+    <a:masterClrMapping/>
+  </p:clrMapOvr>
+</p:sld>
+</file>
+
 <file path=ppt/slides/slide2.xml><?xml version="1.0" encoding="utf-8"?>
 <p:sld xmlns:a="http://schemas.openxmlformats.org/drawingml/2006/main" xmlns:r="http://schemas.openxmlformats.org/officeDocument/2006/relationships" xmlns:p="http://schemas.openxmlformats.org/presentationml/2006/main">
   <p:cSld>
@@ -7615,59 +7892,59 @@
         </p:nvSpPr>
         <p:spPr>
           <a:xfrm>
-            <a:off x="838200" y="732441"/>
-            <a:ext cx="10515600" cy="590931"/>
+            <a:off x="838200" y="483142"/>
+            <a:ext cx="10515600" cy="1089529"/>
           </a:xfrm>
         </p:spPr>
         <p:txBody>
           <a:bodyPr/>
           <a:lstStyle/>
           <a:p>
-            <a:r>
-              <a:rPr lang="en-US"/>
-              <a:t>Customer Challenge</a:t>
-            </a:r>
-          </a:p>
-        </p:txBody>
-      </p:sp>
-      <p:sp>
-        <p:nvSpPr>
-          <p:cNvPr id="3" name="Content Placeholder 2">
-            <a:extLst>
-              <a:ext uri="{FF2B5EF4-FFF2-40B4-BE49-F238E27FC236}">
-                <a16:creationId xmlns:a16="http://schemas.microsoft.com/office/drawing/2014/main" id="{BAE8CF01-346F-984A-AB40-CF19D671936C}"/>
-              </a:ext>
-            </a:extLst>
-          </p:cNvPr>
-          <p:cNvSpPr>
-            <a:spLocks noGrp="1"/>
-          </p:cNvSpPr>
-          <p:nvPr>
-            <p:ph idx="1"/>
-          </p:nvPr>
-        </p:nvSpPr>
-        <p:spPr>
-          <a:xfrm>
-            <a:off x="838200" y="1825625"/>
-            <a:ext cx="10515600" cy="3993835"/>
-          </a:xfrm>
-        </p:spPr>
-        <p:txBody>
-          <a:bodyPr>
-            <a:normAutofit/>
+            <a:pPr algn="ctr"/>
+            <a:r>
+              <a:rPr lang="en-US" dirty="0"/>
+              <a:t>The Challenge of Maintaining Situational Awareness in Combat</a:t>
+            </a:r>
+          </a:p>
+        </p:txBody>
+      </p:sp>
+      <p:sp>
+        <p:nvSpPr>
+          <p:cNvPr id="4" name="TextBox 3">
+            <a:extLst>
+              <a:ext uri="{FF2B5EF4-FFF2-40B4-BE49-F238E27FC236}">
+                <a16:creationId xmlns:a16="http://schemas.microsoft.com/office/drawing/2014/main" id="{57646A75-6CB2-4982-B281-5D8C91077B70}"/>
+              </a:ext>
+            </a:extLst>
+          </p:cNvPr>
+          <p:cNvSpPr txBox="1"/>
+          <p:nvPr/>
+        </p:nvSpPr>
+        <p:spPr>
+          <a:xfrm>
+            <a:off x="838201" y="2187268"/>
+            <a:ext cx="10824148" cy="2677656"/>
+          </a:xfrm>
+          <a:prstGeom prst="rect">
+            <a:avLst/>
+          </a:prstGeom>
+          <a:noFill/>
+        </p:spPr>
+        <p:txBody>
+          <a:bodyPr wrap="square" rtlCol="0">
+            <a:spAutoFit/>
           </a:bodyPr>
           <a:lstStyle/>
           <a:p>
             <a:r>
-              <a:rPr lang="en-US" sz="2000" dirty="0"/>
-              <a:t>Describe the customer problem your hack solves</a:t>
-            </a:r>
-          </a:p>
-          <a:p>
-            <a:r>
-              <a:rPr lang="en-US" sz="2000" dirty="0"/>
-              <a:t>Use more slides if you need them</a:t>
-            </a:r>
+              <a:rPr lang="en-US" sz="2400" dirty="0">
+                <a:effectLst/>
+                <a:latin typeface="Calibri" panose="020F0502020204030204" pitchFamily="34" charset="0"/>
+                <a:ea typeface="Calibri" panose="020F0502020204030204" pitchFamily="34" charset="0"/>
+              </a:rPr>
+              <a:t>Situational awareness is one of the biggest challenges in conducting ground operations. When someone opens fire, it’s often possible to have no awareness of their location, the size of the force, and even their direction of fire and their friendly/enemy status. To quickly spread awareness of an attacking enemy unit, infantrymen are trained to immediately announce the “3Ds,” or the distance, direction, and description of the enemy. This can be effective, but it can also easily fail if the soldier is unable to glean all the information accurately and pass it on. </a:t>
+            </a:r>
+            <a:endParaRPr lang="en-US" sz="2400" dirty="0"/>
           </a:p>
         </p:txBody>
       </p:sp>
@@ -7706,7 +7983,7 @@
           <p:cNvPr id="2" name="Title 1">
             <a:extLst>
               <a:ext uri="{FF2B5EF4-FFF2-40B4-BE49-F238E27FC236}">
-                <a16:creationId xmlns:a16="http://schemas.microsoft.com/office/drawing/2014/main" id="{EB733577-04FA-7948-A78F-7A254A89C343}"/>
+                <a16:creationId xmlns:a16="http://schemas.microsoft.com/office/drawing/2014/main" id="{5D1F3AB0-199E-40B5-917D-B37F900B9EFF}"/>
               </a:ext>
             </a:extLst>
           </p:cNvPr>
@@ -7717,29 +7994,25 @@
             <p:ph type="title"/>
           </p:nvPr>
         </p:nvSpPr>
-        <p:spPr>
-          <a:xfrm>
-            <a:off x="838200" y="732441"/>
-            <a:ext cx="10515600" cy="590931"/>
-          </a:xfrm>
-        </p:spPr>
+        <p:spPr/>
         <p:txBody>
           <a:bodyPr/>
           <a:lstStyle/>
           <a:p>
-            <a:r>
-              <a:rPr lang="en-US"/>
-              <a:t>Source Code</a:t>
-            </a:r>
-          </a:p>
-        </p:txBody>
-      </p:sp>
-      <p:sp>
-        <p:nvSpPr>
-          <p:cNvPr id="3" name="Content Placeholder 2">
-            <a:extLst>
-              <a:ext uri="{FF2B5EF4-FFF2-40B4-BE49-F238E27FC236}">
-                <a16:creationId xmlns:a16="http://schemas.microsoft.com/office/drawing/2014/main" id="{BAE8CF01-346F-984A-AB40-CF19D671936C}"/>
+            <a:pPr algn="ctr"/>
+            <a:r>
+              <a:rPr lang="en-US" dirty="0"/>
+              <a:t>Acoustic AI for Situational Awareness</a:t>
+            </a:r>
+          </a:p>
+        </p:txBody>
+      </p:sp>
+      <p:sp>
+        <p:nvSpPr>
+          <p:cNvPr id="4" name="Content Placeholder 2">
+            <a:extLst>
+              <a:ext uri="{FF2B5EF4-FFF2-40B4-BE49-F238E27FC236}">
+                <a16:creationId xmlns:a16="http://schemas.microsoft.com/office/drawing/2014/main" id="{420012E7-D4D8-4DDE-AAAE-0D54C582EDAF}"/>
               </a:ext>
             </a:extLst>
           </p:cNvPr>
@@ -7753,7 +8026,7 @@
         <p:spPr>
           <a:xfrm>
             <a:off x="838200" y="1825625"/>
-            <a:ext cx="10515600" cy="3993835"/>
+            <a:ext cx="10515600" cy="3994150"/>
           </a:xfrm>
         </p:spPr>
         <p:txBody>
@@ -7763,22 +8036,40 @@
           <a:lstStyle/>
           <a:p>
             <a:r>
-              <a:rPr lang="en-US" sz="2000" dirty="0">
-                <a:hlinkClick r:id="rId2"/>
-              </a:rPr>
-              <a:t>https://github.com/OctoConsulting/AudioHack2021</a:t>
-            </a:r>
+              <a:rPr lang="en-US" sz="2000" dirty="0"/>
+              <a:t>Identify Sources of Incoming Fire for Ground Troops</a:t>
+            </a:r>
+          </a:p>
+          <a:p>
+            <a:pPr marL="0" indent="0">
+              <a:buNone/>
+            </a:pPr>
             <a:endParaRPr lang="en-US" sz="2000" dirty="0"/>
           </a:p>
           <a:p>
+            <a:r>
+              <a:rPr lang="en-US" sz="2000" dirty="0"/>
+              <a:t>Provide Advanced Warning and Confirmation for Visual Inference</a:t>
+            </a:r>
+          </a:p>
+          <a:p>
+            <a:pPr marL="0" indent="0">
+              <a:buNone/>
+            </a:pPr>
             <a:endParaRPr lang="en-US" sz="2000" dirty="0"/>
+          </a:p>
+          <a:p>
+            <a:r>
+              <a:rPr lang="en-US" sz="2000" dirty="0"/>
+              <a:t>Automate Infantry Call for Fire Procedures</a:t>
+            </a:r>
           </a:p>
         </p:txBody>
       </p:sp>
     </p:spTree>
     <p:extLst>
       <p:ext uri="{BB962C8B-B14F-4D97-AF65-F5344CB8AC3E}">
-        <p14:creationId xmlns:p14="http://schemas.microsoft.com/office/powerpoint/2010/main" val="2252240982"/>
+        <p14:creationId xmlns:p14="http://schemas.microsoft.com/office/powerpoint/2010/main" val="3532493803"/>
       </p:ext>
     </p:extLst>
   </p:cSld>
@@ -7833,7 +8124,7 @@
           <a:p>
             <a:r>
               <a:rPr lang="en-US"/>
-              <a:t>Architecture Diagram</a:t>
+              <a:t>Source Code</a:t>
             </a:r>
           </a:p>
         </p:txBody>
@@ -7867,34 +8158,22 @@
           <a:lstStyle/>
           <a:p>
             <a:r>
-              <a:rPr lang="en-US" sz="3200" dirty="0"/>
-              <a:t>Unity generates 3d spatialized sound of a gun shot</a:t>
-            </a:r>
-          </a:p>
-          <a:p>
-            <a:r>
-              <a:rPr lang="en-US" sz="3200" dirty="0"/>
-              <a:t>Generated sound is recorded in the engine and written to a new file</a:t>
-            </a:r>
-          </a:p>
-          <a:p>
-            <a:r>
-              <a:rPr lang="en-US" sz="3200" dirty="0"/>
-              <a:t>New sound file is processed by the model</a:t>
-            </a:r>
-          </a:p>
-          <a:p>
-            <a:r>
-              <a:rPr lang="en-US" sz="3200" dirty="0"/>
-              <a:t>Direction and distance of that shot is output for further use.</a:t>
-            </a:r>
+              <a:rPr lang="en-US" sz="2000" dirty="0">
+                <a:hlinkClick r:id="rId2"/>
+              </a:rPr>
+              <a:t>https://github.com/OctoConsulting/AudioHack2021</a:t>
+            </a:r>
+            <a:endParaRPr lang="en-US" sz="2000" dirty="0"/>
+          </a:p>
+          <a:p>
+            <a:endParaRPr lang="en-US" sz="2000" dirty="0"/>
           </a:p>
         </p:txBody>
       </p:sp>
     </p:spTree>
     <p:extLst>
       <p:ext uri="{BB962C8B-B14F-4D97-AF65-F5344CB8AC3E}">
-        <p14:creationId xmlns:p14="http://schemas.microsoft.com/office/powerpoint/2010/main" val="3123336364"/>
+        <p14:creationId xmlns:p14="http://schemas.microsoft.com/office/powerpoint/2010/main" val="2252240982"/>
       </p:ext>
     </p:extLst>
   </p:cSld>
@@ -7948,10 +8227,8 @@
           <a:lstStyle/>
           <a:p>
             <a:r>
-              <a:rPr lang="en-US">
-                <a:latin typeface="Century Gothic"/>
-              </a:rPr>
-              <a:t>Tools &amp; Technologies Used</a:t>
+              <a:rPr lang="en-US"/>
+              <a:t>Architecture Diagram</a:t>
             </a:r>
           </a:p>
         </p:txBody>
@@ -7985,22 +8262,34 @@
           <a:lstStyle/>
           <a:p>
             <a:r>
-              <a:rPr lang="en-US" sz="2000" dirty="0"/>
-              <a:t>Unity</a:t>
-            </a:r>
-          </a:p>
-          <a:p>
-            <a:endParaRPr lang="en-US" sz="2000" dirty="0"/>
-          </a:p>
-          <a:p>
-            <a:endParaRPr lang="en-US" sz="2000" dirty="0"/>
+              <a:rPr lang="en-US" sz="3200" dirty="0"/>
+              <a:t>Unity generates 3d spatialized sound of a gun shot</a:t>
+            </a:r>
+          </a:p>
+          <a:p>
+            <a:r>
+              <a:rPr lang="en-US" sz="3200" dirty="0"/>
+              <a:t>Generated sound is recorded in the engine and written to a new file</a:t>
+            </a:r>
+          </a:p>
+          <a:p>
+            <a:r>
+              <a:rPr lang="en-US" sz="3200" dirty="0"/>
+              <a:t>New sound file is processed by the model</a:t>
+            </a:r>
+          </a:p>
+          <a:p>
+            <a:r>
+              <a:rPr lang="en-US" sz="3200" dirty="0"/>
+              <a:t>Direction and distance of that shot is output for further use.</a:t>
+            </a:r>
           </a:p>
         </p:txBody>
       </p:sp>
     </p:spTree>
     <p:extLst>
       <p:ext uri="{BB962C8B-B14F-4D97-AF65-F5344CB8AC3E}">
-        <p14:creationId xmlns:p14="http://schemas.microsoft.com/office/powerpoint/2010/main" val="2679417701"/>
+        <p14:creationId xmlns:p14="http://schemas.microsoft.com/office/powerpoint/2010/main" val="3123336364"/>
       </p:ext>
     </p:extLst>
   </p:cSld>
@@ -8054,10 +8343,10 @@
           <a:lstStyle/>
           <a:p>
             <a:r>
-              <a:rPr lang="en-US" dirty="0">
+              <a:rPr lang="en-US">
                 <a:latin typeface="Century Gothic"/>
               </a:rPr>
-              <a:t>Future Updates</a:t>
+              <a:t>Tools &amp; Technologies Used</a:t>
             </a:r>
           </a:p>
         </p:txBody>
@@ -8092,19 +8381,13 @@
           <a:p>
             <a:r>
               <a:rPr lang="en-US" sz="2000" dirty="0"/>
-              <a:t>Bring the model output back into Unity and render the data as a shot line to compare actual and perceived.</a:t>
-            </a:r>
-          </a:p>
-          <a:p>
-            <a:r>
-              <a:rPr lang="en-US" sz="2000" dirty="0"/>
-              <a:t>Output the data as a sound file to let the user know direction and distance of the shot.</a:t>
-            </a:r>
-          </a:p>
-          <a:p>
-            <a:r>
-              <a:rPr lang="en-US" sz="2000"/>
-              <a:t>…</a:t>
+              <a:t>Unity</a:t>
+            </a:r>
+          </a:p>
+          <a:p>
+            <a:r>
+              <a:rPr lang="en-US" sz="2000" dirty="0" err="1"/>
+              <a:t>Tensorflow</a:t>
             </a:r>
             <a:endParaRPr lang="en-US" sz="2000" dirty="0"/>
           </a:p>
@@ -8119,7 +8402,7 @@
     </p:spTree>
     <p:extLst>
       <p:ext uri="{BB962C8B-B14F-4D97-AF65-F5344CB8AC3E}">
-        <p14:creationId xmlns:p14="http://schemas.microsoft.com/office/powerpoint/2010/main" val="522753769"/>
+        <p14:creationId xmlns:p14="http://schemas.microsoft.com/office/powerpoint/2010/main" val="2679417701"/>
       </p:ext>
     </p:extLst>
   </p:cSld>
@@ -8146,39 +8429,98 @@
           <a:chExt cx="0" cy="0"/>
         </a:xfrm>
       </p:grpSpPr>
-      <p:pic>
-        <p:nvPicPr>
-          <p:cNvPr id="5" name="Picture 4">
-            <a:extLst>
-              <a:ext uri="{FF2B5EF4-FFF2-40B4-BE49-F238E27FC236}">
-                <a16:creationId xmlns:a16="http://schemas.microsoft.com/office/drawing/2014/main" id="{CBA73079-D6DA-461B-874A-92A324885418}"/>
-              </a:ext>
-            </a:extLst>
-          </p:cNvPr>
-          <p:cNvPicPr>
-            <a:picLocks noChangeAspect="1"/>
-          </p:cNvPicPr>
-          <p:nvPr/>
-        </p:nvPicPr>
-        <p:blipFill>
-          <a:blip r:embed="rId2"/>
-          <a:srcRect/>
-          <a:stretch/>
-        </p:blipFill>
-        <p:spPr>
-          <a:xfrm>
-            <a:off x="1877917" y="823093"/>
-            <a:ext cx="8242924" cy="4809221"/>
-          </a:xfrm>
-          <a:prstGeom prst="rect">
-            <a:avLst/>
-          </a:prstGeom>
-        </p:spPr>
-      </p:pic>
+      <p:sp>
+        <p:nvSpPr>
+          <p:cNvPr id="2" name="Title 1">
+            <a:extLst>
+              <a:ext uri="{FF2B5EF4-FFF2-40B4-BE49-F238E27FC236}">
+                <a16:creationId xmlns:a16="http://schemas.microsoft.com/office/drawing/2014/main" id="{5D1F3AB0-199E-40B5-917D-B37F900B9EFF}"/>
+              </a:ext>
+            </a:extLst>
+          </p:cNvPr>
+          <p:cNvSpPr>
+            <a:spLocks noGrp="1"/>
+          </p:cNvSpPr>
+          <p:nvPr>
+            <p:ph type="title"/>
+          </p:nvPr>
+        </p:nvSpPr>
+        <p:spPr/>
+        <p:txBody>
+          <a:bodyPr/>
+          <a:lstStyle/>
+          <a:p>
+            <a:pPr algn="ctr"/>
+            <a:r>
+              <a:rPr lang="en-US" dirty="0"/>
+              <a:t>Generating Synthetic Data</a:t>
+            </a:r>
+          </a:p>
+        </p:txBody>
+      </p:sp>
+      <p:sp>
+        <p:nvSpPr>
+          <p:cNvPr id="4" name="Content Placeholder 2">
+            <a:extLst>
+              <a:ext uri="{FF2B5EF4-FFF2-40B4-BE49-F238E27FC236}">
+                <a16:creationId xmlns:a16="http://schemas.microsoft.com/office/drawing/2014/main" id="{420012E7-D4D8-4DDE-AAAE-0D54C582EDAF}"/>
+              </a:ext>
+            </a:extLst>
+          </p:cNvPr>
+          <p:cNvSpPr>
+            <a:spLocks noGrp="1"/>
+          </p:cNvSpPr>
+          <p:nvPr>
+            <p:ph idx="1"/>
+          </p:nvPr>
+        </p:nvSpPr>
+        <p:spPr>
+          <a:xfrm>
+            <a:off x="838200" y="1825625"/>
+            <a:ext cx="10515600" cy="3994150"/>
+          </a:xfrm>
+        </p:spPr>
+        <p:txBody>
+          <a:bodyPr>
+            <a:normAutofit/>
+          </a:bodyPr>
+          <a:lstStyle/>
+          <a:p>
+            <a:r>
+              <a:rPr lang="en-US" sz="2000" dirty="0"/>
+              <a:t>We were able to use the Unity game engine to recreate a 3d environment that simulates a spatialized sound emitter ( gun ).</a:t>
+            </a:r>
+          </a:p>
+          <a:p>
+            <a:r>
+              <a:rPr lang="en-US" sz="2000" dirty="0"/>
+              <a:t>We can alter the position of this gun’s heading and its distance from our scene “microphone”.</a:t>
+            </a:r>
+          </a:p>
+          <a:p>
+            <a:r>
+              <a:rPr lang="en-US" sz="2000" dirty="0"/>
+              <a:t>By writing a scripted automation procedure, we randomized those variables and with each shot fired, write out a new 2 channel audio clip based on what was heard from the microphone’s position; annotating the data by including shot azimuth and distance in the file name.</a:t>
+            </a:r>
+          </a:p>
+          <a:p>
+            <a:r>
+              <a:rPr lang="en-US" sz="2000" dirty="0"/>
+              <a:t>With each test, we were able generate sound data, train the model, and begin inferencing with new clips generated in real-time from our simulator.</a:t>
+            </a:r>
+          </a:p>
+          <a:p>
+            <a:r>
+              <a:rPr lang="en-US" sz="2000" dirty="0"/>
+              <a:t>Our last pass we generated 2,398 new audio clips in under an hour.</a:t>
+            </a:r>
+          </a:p>
+        </p:txBody>
+      </p:sp>
     </p:spTree>
     <p:extLst>
       <p:ext uri="{BB962C8B-B14F-4D97-AF65-F5344CB8AC3E}">
-        <p14:creationId xmlns:p14="http://schemas.microsoft.com/office/powerpoint/2010/main" val="2647624134"/>
+        <p14:creationId xmlns:p14="http://schemas.microsoft.com/office/powerpoint/2010/main" val="2679378362"/>
       </p:ext>
     </p:extLst>
   </p:cSld>

--- a/Hackathon_PPT_2021 Seeing Ear Bats.pptx
+++ b/Hackathon_PPT_2021 Seeing Ear Bats.pptx
@@ -7394,35 +7394,132 @@
           </a:p>
         </p:txBody>
       </p:sp>
-      <p:sp>
-        <p:nvSpPr>
-          <p:cNvPr id="4" name="Content Placeholder 2">
-            <a:extLst>
-              <a:ext uri="{FF2B5EF4-FFF2-40B4-BE49-F238E27FC236}">
-                <a16:creationId xmlns:a16="http://schemas.microsoft.com/office/drawing/2014/main" id="{420012E7-D4D8-4DDE-AAAE-0D54C582EDAF}"/>
-              </a:ext>
-            </a:extLst>
-          </p:cNvPr>
-          <p:cNvSpPr>
-            <a:spLocks noGrp="1"/>
-          </p:cNvSpPr>
+      <p:pic>
+        <p:nvPicPr>
+          <p:cNvPr id="11" name="Content Placeholder 10" descr="Background pattern&#10;&#10;Description automatically generated">
+            <a:extLst>
+              <a:ext uri="{FF2B5EF4-FFF2-40B4-BE49-F238E27FC236}">
+                <a16:creationId xmlns:a16="http://schemas.microsoft.com/office/drawing/2014/main" id="{A60AEAA5-5D8C-45AC-B3F3-901705B6070D}"/>
+              </a:ext>
+            </a:extLst>
+          </p:cNvPr>
+          <p:cNvPicPr>
+            <a:picLocks noGrp="1" noChangeAspect="1"/>
+          </p:cNvPicPr>
           <p:nvPr>
             <p:ph idx="1"/>
           </p:nvPr>
-        </p:nvSpPr>
-        <p:spPr>
-          <a:xfrm>
-            <a:off x="838200" y="1825625"/>
-            <a:ext cx="10515600" cy="3994150"/>
-          </a:xfrm>
-        </p:spPr>
-        <p:txBody>
-          <a:bodyPr>
-            <a:normAutofit/>
+        </p:nvPicPr>
+        <p:blipFill>
+          <a:blip r:embed="rId2"/>
+          <a:stretch>
+            <a:fillRect/>
+          </a:stretch>
+        </p:blipFill>
+        <p:spPr>
+          <a:xfrm>
+            <a:off x="0" y="2099074"/>
+            <a:ext cx="5780125" cy="4758926"/>
+          </a:xfrm>
+        </p:spPr>
+      </p:pic>
+      <p:pic>
+        <p:nvPicPr>
+          <p:cNvPr id="13" name="Picture 12" descr="A screenshot of a computer&#10;&#10;Description automatically generated with low confidence">
+            <a:extLst>
+              <a:ext uri="{FF2B5EF4-FFF2-40B4-BE49-F238E27FC236}">
+                <a16:creationId xmlns:a16="http://schemas.microsoft.com/office/drawing/2014/main" id="{F04E41EE-926A-4B14-AE33-0D6EC17D95A1}"/>
+              </a:ext>
+            </a:extLst>
+          </p:cNvPr>
+          <p:cNvPicPr>
+            <a:picLocks noChangeAspect="1"/>
+          </p:cNvPicPr>
+          <p:nvPr/>
+        </p:nvPicPr>
+        <p:blipFill>
+          <a:blip r:embed="rId3"/>
+          <a:stretch>
+            <a:fillRect/>
+          </a:stretch>
+        </p:blipFill>
+        <p:spPr>
+          <a:xfrm>
+            <a:off x="6478621" y="2099074"/>
+            <a:ext cx="5713379" cy="4758925"/>
+          </a:xfrm>
+          <a:prstGeom prst="rect">
+            <a:avLst/>
+          </a:prstGeom>
+        </p:spPr>
+      </p:pic>
+      <p:sp>
+        <p:nvSpPr>
+          <p:cNvPr id="14" name="TextBox 13">
+            <a:extLst>
+              <a:ext uri="{FF2B5EF4-FFF2-40B4-BE49-F238E27FC236}">
+                <a16:creationId xmlns:a16="http://schemas.microsoft.com/office/drawing/2014/main" id="{4B9EBAD2-9E1C-4D6A-A922-6243FF7374CA}"/>
+              </a:ext>
+            </a:extLst>
+          </p:cNvPr>
+          <p:cNvSpPr txBox="1"/>
+          <p:nvPr/>
+        </p:nvSpPr>
+        <p:spPr>
+          <a:xfrm>
+            <a:off x="291830" y="1118681"/>
+            <a:ext cx="4708187" cy="646331"/>
+          </a:xfrm>
+          <a:prstGeom prst="rect">
+            <a:avLst/>
+          </a:prstGeom>
+          <a:noFill/>
+        </p:spPr>
+        <p:txBody>
+          <a:bodyPr wrap="square" rtlCol="0">
+            <a:spAutoFit/>
           </a:bodyPr>
           <a:lstStyle/>
           <a:p>
-            <a:endParaRPr lang="en-US" sz="2000" dirty="0"/>
+            <a:r>
+              <a:rPr lang="en-US" dirty="0"/>
+              <a:t>Angles detected to 30 degree precision with 89% accuracy</a:t>
+            </a:r>
+          </a:p>
+        </p:txBody>
+      </p:sp>
+      <p:sp>
+        <p:nvSpPr>
+          <p:cNvPr id="15" name="TextBox 14">
+            <a:extLst>
+              <a:ext uri="{FF2B5EF4-FFF2-40B4-BE49-F238E27FC236}">
+                <a16:creationId xmlns:a16="http://schemas.microsoft.com/office/drawing/2014/main" id="{620A8506-50A8-4A6F-9947-BF1C6E2E3615}"/>
+              </a:ext>
+            </a:extLst>
+          </p:cNvPr>
+          <p:cNvSpPr txBox="1"/>
+          <p:nvPr/>
+        </p:nvSpPr>
+        <p:spPr>
+          <a:xfrm>
+            <a:off x="7122269" y="1118681"/>
+            <a:ext cx="4231531" cy="646331"/>
+          </a:xfrm>
+          <a:prstGeom prst="rect">
+            <a:avLst/>
+          </a:prstGeom>
+          <a:noFill/>
+        </p:spPr>
+        <p:txBody>
+          <a:bodyPr wrap="square" rtlCol="0">
+            <a:spAutoFit/>
+          </a:bodyPr>
+          <a:lstStyle/>
+          <a:p>
+            <a:r>
+              <a:rPr lang="en-US" dirty="0"/>
+              <a:t>Range detected to 15 meter precision with 94% accuracy</a:t>
+            </a:r>
           </a:p>
         </p:txBody>
       </p:sp>
@@ -7522,12 +7619,6 @@
             <a:r>
               <a:rPr lang="en-US" sz="2800" dirty="0"/>
               <a:t>Bring the model output back into Unity and render the data as a shot line to compare actual and perceived.</a:t>
-            </a:r>
-          </a:p>
-          <a:p>
-            <a:r>
-              <a:rPr lang="en-US" sz="2800" dirty="0"/>
-              <a:t>Output the data as a sound file to let the user know direction and distance of the shot.</a:t>
             </a:r>
           </a:p>
           <a:p>
@@ -8801,6 +8892,12 @@
 </file>
 
 <file path=customXml/item2.xml><?xml version="1.0" encoding="utf-8"?>
+<p:properties xmlns:p="http://schemas.microsoft.com/office/2006/metadata/properties" xmlns:xsi="http://www.w3.org/2001/XMLSchema-instance" xmlns:pc="http://schemas.microsoft.com/office/infopath/2007/PartnerControls">
+  <documentManagement/>
+</p:properties>
+</file>
+
+<file path=customXml/item3.xml><?xml version="1.0" encoding="utf-8"?>
 <ct:contentTypeSchema xmlns:ct="http://schemas.microsoft.com/office/2006/metadata/contentType" xmlns:ma="http://schemas.microsoft.com/office/2006/metadata/properties/metaAttributes" ct:_="" ma:_="" ma:contentTypeName="Document" ma:contentTypeID="0x010100A47C754697A1714AB417E0C8AB0FB3B6" ma:contentTypeVersion="12" ma:contentTypeDescription="Create a new document." ma:contentTypeScope="" ma:versionID="9254b1d8024c4d23e6cc9cd3bf5233a9">
   <xsd:schema xmlns:xsd="http://www.w3.org/2001/XMLSchema" xmlns:xs="http://www.w3.org/2001/XMLSchema" xmlns:p="http://schemas.microsoft.com/office/2006/metadata/properties" xmlns:ns2="753a2aa6-1208-400c-ae46-1ad40f3234e8" xmlns:ns3="a3d0a45c-57b8-4179-a1de-155f60147ef3" targetNamespace="http://schemas.microsoft.com/office/2006/metadata/properties" ma:root="true" ma:fieldsID="71ad714770baf85b6af844c5cc16dde2" ns2:_="" ns3:_="">
     <xsd:import namespace="753a2aa6-1208-400c-ae46-1ad40f3234e8"/>
@@ -9017,12 +9114,6 @@
 </ct:contentTypeSchema>
 </file>
 
-<file path=customXml/item3.xml><?xml version="1.0" encoding="utf-8"?>
-<p:properties xmlns:p="http://schemas.microsoft.com/office/2006/metadata/properties" xmlns:xsi="http://www.w3.org/2001/XMLSchema-instance" xmlns:pc="http://schemas.microsoft.com/office/infopath/2007/PartnerControls">
-  <documentManagement/>
-</p:properties>
-</file>
-
 <file path=customXml/itemProps1.xml><?xml version="1.0" encoding="utf-8"?>
 <ds:datastoreItem xmlns:ds="http://schemas.openxmlformats.org/officeDocument/2006/customXml" ds:itemID="{E606F483-7940-4658-97E4-AB297BD7D23C}">
   <ds:schemaRefs>
@@ -9032,6 +9123,23 @@
 </file>
 
 <file path=customXml/itemProps2.xml><?xml version="1.0" encoding="utf-8"?>
+<ds:datastoreItem xmlns:ds="http://schemas.openxmlformats.org/officeDocument/2006/customXml" ds:itemID="{74D7567B-0C25-4E51-8EA2-D2B287B78185}">
+  <ds:schemaRefs>
+    <ds:schemaRef ds:uri="http://schemas.microsoft.com/office/infopath/2007/PartnerControls"/>
+    <ds:schemaRef ds:uri="http://schemas.openxmlformats.org/package/2006/metadata/core-properties"/>
+    <ds:schemaRef ds:uri="http://www.w3.org/XML/1998/namespace"/>
+    <ds:schemaRef ds:uri="http://purl.org/dc/elements/1.1/"/>
+    <ds:schemaRef ds:uri="http://schemas.microsoft.com/office/2006/documentManagement/types"/>
+    <ds:schemaRef ds:uri="http://purl.org/dc/terms/"/>
+    <ds:schemaRef ds:uri="http://purl.org/dc/dcmitype/"/>
+    <ds:schemaRef ds:uri="a3d0a45c-57b8-4179-a1de-155f60147ef3"/>
+    <ds:schemaRef ds:uri="753a2aa6-1208-400c-ae46-1ad40f3234e8"/>
+    <ds:schemaRef ds:uri="http://schemas.microsoft.com/office/2006/metadata/properties"/>
+  </ds:schemaRefs>
+</ds:datastoreItem>
+</file>
+
+<file path=customXml/itemProps3.xml><?xml version="1.0" encoding="utf-8"?>
 <ds:datastoreItem xmlns:ds="http://schemas.openxmlformats.org/officeDocument/2006/customXml" ds:itemID="{0B46FE05-B71A-40F7-A5E7-DD15F8232A6C}">
   <ds:schemaRefs>
     <ds:schemaRef ds:uri="http://schemas.microsoft.com/office/2006/metadata/contentType"/>
@@ -9048,21 +9156,4 @@
     <ds:schemaRef ds:uri="http://schemas.microsoft.com/internal/obd"/>
   </ds:schemaRefs>
 </ds:datastoreItem>
-</file>
-
-<file path=customXml/itemProps3.xml><?xml version="1.0" encoding="utf-8"?>
-<ds:datastoreItem xmlns:ds="http://schemas.openxmlformats.org/officeDocument/2006/customXml" ds:itemID="{74D7567B-0C25-4E51-8EA2-D2B287B78185}">
-  <ds:schemaRefs>
-    <ds:schemaRef ds:uri="http://schemas.microsoft.com/office/infopath/2007/PartnerControls"/>
-    <ds:schemaRef ds:uri="http://schemas.openxmlformats.org/package/2006/metadata/core-properties"/>
-    <ds:schemaRef ds:uri="http://www.w3.org/XML/1998/namespace"/>
-    <ds:schemaRef ds:uri="http://purl.org/dc/elements/1.1/"/>
-    <ds:schemaRef ds:uri="http://schemas.microsoft.com/office/2006/documentManagement/types"/>
-    <ds:schemaRef ds:uri="http://purl.org/dc/terms/"/>
-    <ds:schemaRef ds:uri="http://purl.org/dc/dcmitype/"/>
-    <ds:schemaRef ds:uri="a3d0a45c-57b8-4179-a1de-155f60147ef3"/>
-    <ds:schemaRef ds:uri="753a2aa6-1208-400c-ae46-1ad40f3234e8"/>
-    <ds:schemaRef ds:uri="http://schemas.microsoft.com/office/2006/metadata/properties"/>
-  </ds:schemaRefs>
-</ds:datastoreItem>
 </file>